--- a/kubernetes/k8s001.pptx
+++ b/kubernetes/k8s001.pptx
@@ -208,7 +208,7 @@
           <a:p>
             <a:fld id="{63F136E3-80C6-A842-B275-74FC7A4265FC}" type="datetimeFigureOut">
               <a:rPr kumimoji="1" lang="zh-CN" altLang="en-US" smtClean="0"/>
-              <a:t>2019/6/23</a:t>
+              <a:t>2019/6/24</a:t>
             </a:fld>
             <a:endParaRPr kumimoji="1" lang="zh-CN" altLang="en-US"/>
           </a:p>
@@ -4864,10 +4864,30 @@
               <a:rPr lang="en-US" altLang="zh-CN" dirty="0" smtClean="0">
                 <a:effectLst/>
               </a:rPr>
-              <a:t>kube-apiserver:v1.14.1</a:t>
-            </a:r>
-          </a:p>
-          <a:p>
+              <a:t>kube-apiserver:v1.15.0</a:t>
+            </a:r>
+            <a:endParaRPr lang="en-US" altLang="zh-CN" dirty="0" smtClean="0">
+              <a:effectLst/>
+            </a:endParaRPr>
+          </a:p>
+          <a:p>
+            <a:pPr marL="0" marR="0" indent="0" algn="l" defTabSz="914400" rtl="0" eaLnBrk="1" fontAlgn="auto" latinLnBrk="0" hangingPunct="1">
+              <a:lnSpc>
+                <a:spcPct val="100000"/>
+              </a:lnSpc>
+              <a:spcBef>
+                <a:spcPts val="0"/>
+              </a:spcBef>
+              <a:spcAft>
+                <a:spcPts val="0"/>
+              </a:spcAft>
+              <a:buClrTx/>
+              <a:buSzTx/>
+              <a:buFontTx/>
+              <a:buNone/>
+              <a:tabLst/>
+              <a:defRPr/>
+            </a:pPr>
             <a:r>
               <a:rPr lang="en-US" altLang="zh-CN" sz="1200" kern="1200" dirty="0" err="1" smtClean="0">
                 <a:solidFill>
@@ -4920,10 +4940,27 @@
               <a:rPr lang="en-US" altLang="zh-CN" dirty="0" smtClean="0">
                 <a:effectLst/>
               </a:rPr>
-              <a:t>kube-apiserver:v1.14.1 k8s.gcr.io/kube-apiserver:v1.14.1</a:t>
-            </a:r>
-          </a:p>
-          <a:p>
+              <a:t>kube-apiserver:v1.15.0 k8s.gcr.io/kube-apiserver:v1.15.0</a:t>
+            </a:r>
+          </a:p>
+          <a:p>
+            <a:pPr marL="0" marR="0" indent="0" algn="l" defTabSz="914400" rtl="0" eaLnBrk="1" fontAlgn="auto" latinLnBrk="0" hangingPunct="1">
+              <a:lnSpc>
+                <a:spcPct val="100000"/>
+              </a:lnSpc>
+              <a:spcBef>
+                <a:spcPts val="0"/>
+              </a:spcBef>
+              <a:spcAft>
+                <a:spcPts val="0"/>
+              </a:spcAft>
+              <a:buClrTx/>
+              <a:buSzTx/>
+              <a:buFontTx/>
+              <a:buNone/>
+              <a:tabLst/>
+              <a:defRPr/>
+            </a:pPr>
             <a:r>
               <a:rPr lang="en-US" altLang="zh-CN" sz="1200" kern="1200" dirty="0" err="1" smtClean="0">
                 <a:solidFill>
@@ -4946,6 +4983,136 @@
                 <a:ea typeface="+mn-ea"/>
                 <a:cs typeface="+mn-cs"/>
               </a:rPr>
+              <a:t> </a:t>
+            </a:r>
+            <a:r>
+              <a:rPr lang="en-US" altLang="zh-CN" sz="1200" kern="1200" dirty="0" smtClean="0">
+                <a:solidFill>
+                  <a:schemeClr val="tx1"/>
+                </a:solidFill>
+                <a:effectLst/>
+                <a:latin typeface="+mn-lt"/>
+                <a:ea typeface="+mn-ea"/>
+                <a:cs typeface="+mn-cs"/>
+              </a:rPr>
+              <a:t>pull </a:t>
+            </a:r>
+            <a:r>
+              <a:rPr lang="en-US" altLang="zh-CN" sz="1200" kern="1200" dirty="0" err="1" smtClean="0">
+                <a:solidFill>
+                  <a:schemeClr val="tx1"/>
+                </a:solidFill>
+                <a:effectLst/>
+                <a:latin typeface="+mn-lt"/>
+                <a:ea typeface="+mn-ea"/>
+                <a:cs typeface="+mn-cs"/>
+              </a:rPr>
+              <a:t>mirrorgooglecontainers</a:t>
+            </a:r>
+            <a:r>
+              <a:rPr lang="en-US" altLang="zh-CN" sz="1200" b="1" kern="1200" dirty="0" smtClean="0">
+                <a:solidFill>
+                  <a:schemeClr val="tx1"/>
+                </a:solidFill>
+                <a:effectLst/>
+                <a:latin typeface="+mn-lt"/>
+                <a:ea typeface="+mn-ea"/>
+                <a:cs typeface="+mn-cs"/>
+              </a:rPr>
+              <a:t>/</a:t>
+            </a:r>
+            <a:r>
+              <a:rPr lang="en-US" altLang="zh-CN" dirty="0" smtClean="0">
+                <a:effectLst/>
+              </a:rPr>
+              <a:t>kube-controller-manager:v1.15.0</a:t>
+            </a:r>
+            <a:endParaRPr lang="en-US" altLang="zh-CN" dirty="0" smtClean="0">
+              <a:effectLst/>
+            </a:endParaRPr>
+          </a:p>
+          <a:p>
+            <a:r>
+              <a:rPr lang="en-US" altLang="zh-CN" sz="1200" kern="1200" dirty="0" err="1" smtClean="0">
+                <a:solidFill>
+                  <a:schemeClr val="tx1"/>
+                </a:solidFill>
+                <a:effectLst/>
+                <a:latin typeface="+mn-lt"/>
+                <a:ea typeface="+mn-ea"/>
+                <a:cs typeface="+mn-cs"/>
+              </a:rPr>
+              <a:t>docker</a:t>
+            </a:r>
+            <a:r>
+              <a:rPr lang="en-US" altLang="zh-CN" sz="1200" kern="1200" dirty="0" smtClean="0">
+                <a:solidFill>
+                  <a:schemeClr val="tx1"/>
+                </a:solidFill>
+                <a:effectLst/>
+                <a:latin typeface="+mn-lt"/>
+                <a:ea typeface="+mn-ea"/>
+                <a:cs typeface="+mn-cs"/>
+              </a:rPr>
+              <a:t> tag </a:t>
+            </a:r>
+            <a:r>
+              <a:rPr lang="en-US" altLang="zh-CN" sz="1200" kern="1200" dirty="0" err="1" smtClean="0">
+                <a:solidFill>
+                  <a:schemeClr val="tx1"/>
+                </a:solidFill>
+                <a:effectLst/>
+                <a:latin typeface="+mn-lt"/>
+                <a:ea typeface="+mn-ea"/>
+                <a:cs typeface="+mn-cs"/>
+              </a:rPr>
+              <a:t>mirrorgooglecontainers</a:t>
+            </a:r>
+            <a:r>
+              <a:rPr lang="en-US" altLang="zh-CN" sz="1200" b="1" kern="1200" dirty="0" smtClean="0">
+                <a:solidFill>
+                  <a:schemeClr val="tx1"/>
+                </a:solidFill>
+                <a:effectLst/>
+                <a:latin typeface="+mn-lt"/>
+                <a:ea typeface="+mn-ea"/>
+                <a:cs typeface="+mn-cs"/>
+              </a:rPr>
+              <a:t>/</a:t>
+            </a:r>
+            <a:r>
+              <a:rPr lang="en-US" altLang="zh-CN" dirty="0" smtClean="0">
+                <a:effectLst/>
+              </a:rPr>
+              <a:t>kube-controller-manager:v1.15.0 k8s.gcr.io/kube-controller-manager:v1.15.0</a:t>
+            </a:r>
+            <a:endParaRPr lang="en-US" altLang="zh-CN" dirty="0" smtClean="0">
+              <a:effectLst/>
+            </a:endParaRPr>
+          </a:p>
+          <a:p>
+            <a:r>
+              <a:rPr lang="en-US" altLang="zh-CN" sz="1200" kern="1200" dirty="0" err="1" smtClean="0">
+                <a:solidFill>
+                  <a:schemeClr val="tx1"/>
+                </a:solidFill>
+                <a:effectLst/>
+                <a:latin typeface="+mn-lt"/>
+                <a:ea typeface="+mn-ea"/>
+                <a:cs typeface="+mn-cs"/>
+              </a:rPr>
+              <a:t>docker</a:t>
+            </a:r>
+            <a:r>
+              <a:rPr lang="en-US" altLang="zh-CN" sz="1200" kern="1200" dirty="0" smtClean="0">
+                <a:solidFill>
+                  <a:schemeClr val="tx1"/>
+                </a:solidFill>
+                <a:effectLst/>
+                <a:latin typeface="+mn-lt"/>
+                <a:ea typeface="+mn-ea"/>
+                <a:cs typeface="+mn-cs"/>
+              </a:rPr>
               <a:t> pull </a:t>
             </a:r>
             <a:r>
@@ -4976,8 +5143,11 @@
               <a:rPr lang="en-US" altLang="zh-CN" dirty="0" smtClean="0">
                 <a:effectLst/>
               </a:rPr>
-              <a:t>kube-controller-manager:v1.14.1</a:t>
-            </a:r>
+              <a:t>kube-scheduler:v1.15.0</a:t>
+            </a:r>
+            <a:endParaRPr lang="en-US" altLang="zh-CN" dirty="0" smtClean="0">
+              <a:effectLst/>
+            </a:endParaRPr>
           </a:p>
           <a:p>
             <a:r>
@@ -5032,8 +5202,11 @@
               <a:rPr lang="en-US" altLang="zh-CN" dirty="0" smtClean="0">
                 <a:effectLst/>
               </a:rPr>
-              <a:t>kube-controller-manager:v1.14.1 k8s.gcr.io/kube-controller-manager:v1.14.1</a:t>
-            </a:r>
+              <a:t>kube-scheduler:v1.15.0 k8s.gcr.io/kube-scheduler:v1.15.0</a:t>
+            </a:r>
+            <a:endParaRPr lang="en-US" altLang="zh-CN" dirty="0" smtClean="0">
+              <a:effectLst/>
+            </a:endParaRPr>
           </a:p>
           <a:p>
             <a:r>
@@ -5073,23 +5246,14 @@
               <a:t>mirrorgooglecontainers</a:t>
             </a:r>
             <a:r>
-              <a:rPr lang="en-US" altLang="zh-CN" sz="1200" b="1" kern="1200" dirty="0" smtClean="0">
-                <a:solidFill>
-                  <a:schemeClr val="tx1"/>
-                </a:solidFill>
-                <a:effectLst/>
-                <a:latin typeface="+mn-lt"/>
-                <a:ea typeface="+mn-ea"/>
-                <a:cs typeface="+mn-cs"/>
-              </a:rPr>
-              <a:t>/</a:t>
-            </a:r>
-            <a:r>
               <a:rPr lang="en-US" altLang="zh-CN" dirty="0" smtClean="0">
                 <a:effectLst/>
               </a:rPr>
-              <a:t>kube-scheduler:v1.14.1</a:t>
-            </a:r>
+              <a:t>/kube-proxy:v1.15.0</a:t>
+            </a:r>
+            <a:endParaRPr lang="en-US" altLang="zh-CN" dirty="0" smtClean="0">
+              <a:effectLst/>
+            </a:endParaRPr>
           </a:p>
           <a:p>
             <a:r>
@@ -5129,111 +5293,14 @@
               <a:t>mirrorgooglecontainers</a:t>
             </a:r>
             <a:r>
-              <a:rPr lang="en-US" altLang="zh-CN" sz="1200" b="1" kern="1200" dirty="0" smtClean="0">
-                <a:solidFill>
-                  <a:schemeClr val="tx1"/>
-                </a:solidFill>
-                <a:effectLst/>
-                <a:latin typeface="+mn-lt"/>
-                <a:ea typeface="+mn-ea"/>
-                <a:cs typeface="+mn-cs"/>
-              </a:rPr>
-              <a:t>/</a:t>
-            </a:r>
-            <a:r>
               <a:rPr lang="en-US" altLang="zh-CN" dirty="0" smtClean="0">
                 <a:effectLst/>
               </a:rPr>
-              <a:t>kube-scheduler:v1.14.1 k8s.gcr.io/kube-scheduler:v1.14.1</a:t>
-            </a:r>
-          </a:p>
-          <a:p>
-            <a:r>
-              <a:rPr lang="en-US" altLang="zh-CN" sz="1200" kern="1200" dirty="0" err="1" smtClean="0">
-                <a:solidFill>
-                  <a:schemeClr val="tx1"/>
-                </a:solidFill>
-                <a:effectLst/>
-                <a:latin typeface="+mn-lt"/>
-                <a:ea typeface="+mn-ea"/>
-                <a:cs typeface="+mn-cs"/>
-              </a:rPr>
-              <a:t>docker</a:t>
-            </a:r>
-            <a:r>
-              <a:rPr lang="en-US" altLang="zh-CN" sz="1200" kern="1200" dirty="0" smtClean="0">
-                <a:solidFill>
-                  <a:schemeClr val="tx1"/>
-                </a:solidFill>
-                <a:effectLst/>
-                <a:latin typeface="+mn-lt"/>
-                <a:ea typeface="+mn-ea"/>
-                <a:cs typeface="+mn-cs"/>
-              </a:rPr>
-              <a:t> pull </a:t>
-            </a:r>
-            <a:r>
-              <a:rPr lang="en-US" altLang="zh-CN" sz="1200" kern="1200" dirty="0" err="1" smtClean="0">
-                <a:solidFill>
-                  <a:schemeClr val="tx1"/>
-                </a:solidFill>
-                <a:effectLst/>
-                <a:latin typeface="+mn-lt"/>
-                <a:ea typeface="+mn-ea"/>
-                <a:cs typeface="+mn-cs"/>
-              </a:rPr>
-              <a:t>mirrorgooglecontainers</a:t>
-            </a:r>
-            <a:r>
-              <a:rPr lang="en-US" altLang="zh-CN" dirty="0" smtClean="0">
-                <a:effectLst/>
-              </a:rPr>
-              <a:t>/kube-proxy:v1.14.1</a:t>
-            </a:r>
-          </a:p>
-          <a:p>
-            <a:r>
-              <a:rPr lang="en-US" altLang="zh-CN" sz="1200" kern="1200" dirty="0" err="1" smtClean="0">
-                <a:solidFill>
-                  <a:schemeClr val="tx1"/>
-                </a:solidFill>
-                <a:effectLst/>
-                <a:latin typeface="+mn-lt"/>
-                <a:ea typeface="+mn-ea"/>
-                <a:cs typeface="+mn-cs"/>
-              </a:rPr>
-              <a:t>docker</a:t>
-            </a:r>
-            <a:r>
-              <a:rPr lang="en-US" altLang="zh-CN" sz="1200" kern="1200" dirty="0" smtClean="0">
-                <a:solidFill>
-                  <a:schemeClr val="tx1"/>
-                </a:solidFill>
-                <a:effectLst/>
-                <a:latin typeface="+mn-lt"/>
-                <a:ea typeface="+mn-ea"/>
-                <a:cs typeface="+mn-cs"/>
-              </a:rPr>
-              <a:t> tag </a:t>
-            </a:r>
-            <a:r>
-              <a:rPr lang="en-US" altLang="zh-CN" sz="1200" kern="1200" dirty="0" err="1" smtClean="0">
-                <a:solidFill>
-                  <a:schemeClr val="tx1"/>
-                </a:solidFill>
-                <a:effectLst/>
-                <a:latin typeface="+mn-lt"/>
-                <a:ea typeface="+mn-ea"/>
-                <a:cs typeface="+mn-cs"/>
-              </a:rPr>
-              <a:t>mirrorgooglecontainers</a:t>
-            </a:r>
-            <a:r>
-              <a:rPr lang="en-US" altLang="zh-CN" dirty="0" smtClean="0">
-                <a:effectLst/>
-              </a:rPr>
-              <a:t>/kube-proxy:v1.14.1 k8s.gcr.io/kube-proxy:v1.14.1</a:t>
-            </a:r>
+              <a:t>/kube-proxy:v1.15.0 k8s.gcr.io/kube-proxy:v1.15.0</a:t>
+            </a:r>
+            <a:endParaRPr lang="en-US" altLang="zh-CN" dirty="0" smtClean="0">
+              <a:effectLst/>
+            </a:endParaRPr>
           </a:p>
           <a:p>
             <a:r>
@@ -6196,8 +6263,11 @@
               <a:rPr lang="en-US" altLang="zh-CN" dirty="0" smtClean="0">
                 <a:effectLst/>
               </a:rPr>
-              <a:t>/kube-proxy:v1.14.1</a:t>
-            </a:r>
+              <a:t>/kube-proxy:v1.15.0</a:t>
+            </a:r>
+            <a:endParaRPr lang="en-US" altLang="zh-CN" dirty="0" smtClean="0">
+              <a:effectLst/>
+            </a:endParaRPr>
           </a:p>
           <a:p>
             <a:r>
@@ -6240,8 +6310,11 @@
               <a:rPr lang="en-US" altLang="zh-CN" dirty="0" smtClean="0">
                 <a:effectLst/>
               </a:rPr>
-              <a:t>/kube-proxy:v1.14.1 k8s.gcr.io/kube-proxy:v1.14.1</a:t>
-            </a:r>
+              <a:t>/kube-proxy:v1.15.0 k8s.gcr.io/kube-proxy:v1.15.0</a:t>
+            </a:r>
+            <a:endParaRPr lang="en-US" altLang="zh-CN" dirty="0" smtClean="0">
+              <a:effectLst/>
+            </a:endParaRPr>
           </a:p>
           <a:p>
             <a:r>
@@ -6794,7 +6867,7 @@
           <a:effectLst/>
           <a:extLst>
             <a:ext uri="{91240B29-F687-4f45-9708-019B960494DF}">
-              <a14:hiddenLine xmlns="" xmlns:a14="http://schemas.microsoft.com/office/drawing/2010/main" w="9525">
+              <a14:hiddenLine xmlns:a14="http://schemas.microsoft.com/office/drawing/2010/main" xmlns="" w="9525">
                 <a:solidFill>
                   <a:srgbClr val="000000"/>
                 </a:solidFill>
@@ -6987,7 +7060,7 @@
             <a:fld id="{08B9EBBA-996F-894A-B54A-D6246ED52CEA}" type="datetimeFigureOut">
               <a:rPr lang="en-US" dirty="0"/>
               <a:pPr/>
-              <a:t>6/23/19</a:t>
+              <a:t>6/24/2019</a:t>
             </a:fld>
             <a:endParaRPr lang="en-US" dirty="0"/>
           </a:p>
@@ -7302,7 +7375,7 @@
             <a:fld id="{18C79C5D-2A6F-F04D-97DA-BEF2467B64E4}" type="datetimeFigureOut">
               <a:rPr lang="en-US" dirty="0"/>
               <a:pPr/>
-              <a:t>6/23/19</a:t>
+              <a:t>6/24/2019</a:t>
             </a:fld>
             <a:endParaRPr lang="en-US" dirty="0"/>
           </a:p>
@@ -7787,7 +7860,7 @@
             <a:fld id="{8DFA1846-DA80-1C48-A609-854EA85C59AD}" type="datetimeFigureOut">
               <a:rPr lang="en-US" dirty="0"/>
               <a:pPr/>
-              <a:t>6/23/19</a:t>
+              <a:t>6/24/2019</a:t>
             </a:fld>
             <a:endParaRPr lang="en-US" dirty="0"/>
           </a:p>
@@ -8153,7 +8226,7 @@
             <a:fld id="{FBF54567-0DE4-3F47-BF90-CB84690072F9}" type="datetimeFigureOut">
               <a:rPr lang="en-US" dirty="0"/>
               <a:pPr/>
-              <a:t>6/23/19</a:t>
+              <a:t>6/24/2019</a:t>
             </a:fld>
             <a:endParaRPr lang="en-US" dirty="0"/>
           </a:p>
@@ -8304,7 +8377,7 @@
           <a:ln/>
           <a:extLst>
             <a:ext uri="{91240B29-F687-4f45-9708-019B960494DF}">
-              <a14:hiddenLine xmlns="" xmlns:a14="http://schemas.microsoft.com/office/drawing/2010/main" w="9525">
+              <a14:hiddenLine xmlns:a14="http://schemas.microsoft.com/office/drawing/2010/main" xmlns="" w="9525">
                 <a:solidFill>
                   <a:srgbClr val="000000"/>
                 </a:solidFill>
@@ -8423,7 +8496,7 @@
             <a:fld id="{C6C52C72-DE31-F449-A4ED-4C594FD91407}" type="datetimeFigureOut">
               <a:rPr lang="en-US" dirty="0"/>
               <a:pPr/>
-              <a:t>6/23/19</a:t>
+              <a:t>6/24/2019</a:t>
             </a:fld>
             <a:endParaRPr lang="en-US" dirty="0"/>
           </a:p>
@@ -8576,7 +8649,7 @@
           <a:ln/>
           <a:extLst>
             <a:ext uri="{91240B29-F687-4f45-9708-019B960494DF}">
-              <a14:hiddenLine xmlns="" xmlns:a14="http://schemas.microsoft.com/office/drawing/2010/main" w="9525">
+              <a14:hiddenLine xmlns:a14="http://schemas.microsoft.com/office/drawing/2010/main" xmlns="" w="9525">
                 <a:solidFill>
                   <a:srgbClr val="000000"/>
                 </a:solidFill>
@@ -8705,7 +8778,7 @@
             <a:fld id="{ED62726E-379B-B349-9EED-81ED093FA806}" type="datetimeFigureOut">
               <a:rPr lang="en-US" dirty="0"/>
               <a:pPr/>
-              <a:t>6/23/19</a:t>
+              <a:t>6/24/2019</a:t>
             </a:fld>
             <a:endParaRPr lang="en-US" dirty="0"/>
           </a:p>
@@ -8856,7 +8929,7 @@
           <a:ln/>
           <a:extLst>
             <a:ext uri="{91240B29-F687-4f45-9708-019B960494DF}">
-              <a14:hiddenLine xmlns="" xmlns:a14="http://schemas.microsoft.com/office/drawing/2010/main" w="9525">
+              <a14:hiddenLine xmlns:a14="http://schemas.microsoft.com/office/drawing/2010/main" xmlns="" w="9525">
                 <a:solidFill>
                   <a:srgbClr val="000000"/>
                 </a:solidFill>
@@ -8985,7 +9058,7 @@
             <a:fld id="{9B3A1323-8D79-1946-B0D7-40001CF92E9D}" type="datetimeFigureOut">
               <a:rPr lang="en-US" dirty="0"/>
               <a:pPr/>
-              <a:t>6/23/19</a:t>
+              <a:t>6/24/2019</a:t>
             </a:fld>
             <a:endParaRPr lang="en-US" dirty="0"/>
           </a:p>
@@ -9325,7 +9398,7 @@
             <a:fld id="{8DFA1846-DA80-1C48-A609-854EA85C59AD}" type="datetimeFigureOut">
               <a:rPr lang="en-US" dirty="0"/>
               <a:pPr/>
-              <a:t>6/23/19</a:t>
+              <a:t>6/24/2019</a:t>
             </a:fld>
             <a:endParaRPr lang="en-US" dirty="0"/>
           </a:p>
@@ -9476,7 +9549,7 @@
           <a:ln/>
           <a:extLst>
             <a:ext uri="{91240B29-F687-4f45-9708-019B960494DF}">
-              <a14:hiddenLine xmlns="" xmlns:a14="http://schemas.microsoft.com/office/drawing/2010/main" w="9525">
+              <a14:hiddenLine xmlns:a14="http://schemas.microsoft.com/office/drawing/2010/main" xmlns="" w="9525">
                 <a:solidFill>
                   <a:srgbClr val="000000"/>
                 </a:solidFill>
@@ -9661,7 +9734,7 @@
             <a:fld id="{57302355-E14B-8545-A8F8-0FE83CC9D524}" type="datetimeFigureOut">
               <a:rPr lang="en-US" dirty="0"/>
               <a:pPr/>
-              <a:t>6/23/19</a:t>
+              <a:t>6/24/2019</a:t>
             </a:fld>
             <a:endParaRPr lang="en-US" dirty="0"/>
           </a:p>
@@ -9812,7 +9885,7 @@
           <a:ln/>
           <a:extLst>
             <a:ext uri="{91240B29-F687-4f45-9708-019B960494DF}">
-              <a14:hiddenLine xmlns="" xmlns:a14="http://schemas.microsoft.com/office/drawing/2010/main" w="9525">
+              <a14:hiddenLine xmlns:a14="http://schemas.microsoft.com/office/drawing/2010/main" xmlns="" w="9525">
                 <a:solidFill>
                   <a:srgbClr val="000000"/>
                 </a:solidFill>
@@ -10135,7 +10208,7 @@
             <a:fld id="{02640F58-564D-2B4F-AE67-E407BA4FCF45}" type="datetimeFigureOut">
               <a:rPr lang="en-US" dirty="0"/>
               <a:pPr/>
-              <a:t>6/23/19</a:t>
+              <a:t>6/24/2019</a:t>
             </a:fld>
             <a:endParaRPr lang="en-US" dirty="0"/>
           </a:p>
@@ -10286,7 +10359,7 @@
           <a:ln/>
           <a:extLst>
             <a:ext uri="{91240B29-F687-4f45-9708-019B960494DF}">
-              <a14:hiddenLine xmlns="" xmlns:a14="http://schemas.microsoft.com/office/drawing/2010/main" w="9525">
+              <a14:hiddenLine xmlns:a14="http://schemas.microsoft.com/office/drawing/2010/main" xmlns="" w="9525">
                 <a:solidFill>
                   <a:srgbClr val="000000"/>
                 </a:solidFill>
@@ -10353,7 +10426,7 @@
             <a:fld id="{F13A34C8-038E-2045-AF43-DF7DBB8E0E9E}" type="datetimeFigureOut">
               <a:rPr lang="en-US" dirty="0"/>
               <a:pPr/>
-              <a:t>6/23/19</a:t>
+              <a:t>6/24/2019</a:t>
             </a:fld>
             <a:endParaRPr lang="en-US" dirty="0"/>
           </a:p>
@@ -10445,7 +10518,7 @@
             <a:fld id="{8818C68F-D26B-8F47-958C-23B49CF8A634}" type="datetimeFigureOut">
               <a:rPr lang="en-US" dirty="0"/>
               <a:pPr/>
-              <a:t>6/23/19</a:t>
+              <a:t>6/24/2019</a:t>
             </a:fld>
             <a:endParaRPr lang="en-US" dirty="0"/>
           </a:p>
@@ -10709,7 +10782,7 @@
           <a:ln/>
           <a:extLst>
             <a:ext uri="{91240B29-F687-4f45-9708-019B960494DF}">
-              <a14:hiddenLine xmlns="" xmlns:a14="http://schemas.microsoft.com/office/drawing/2010/main" w="9525">
+              <a14:hiddenLine xmlns:a14="http://schemas.microsoft.com/office/drawing/2010/main" xmlns="" w="9525">
                 <a:solidFill>
                   <a:srgbClr val="000000"/>
                 </a:solidFill>
@@ -10909,7 +10982,7 @@
             <a:fld id="{D0DF5E60-9974-AC48-9591-99C2BB44B7CF}" type="datetimeFigureOut">
               <a:rPr lang="en-US" dirty="0"/>
               <a:pPr/>
-              <a:t>6/23/19</a:t>
+              <a:t>6/24/2019</a:t>
             </a:fld>
             <a:endParaRPr lang="en-US" dirty="0"/>
           </a:p>
@@ -11219,7 +11292,7 @@
             <a:fld id="{18C79C5D-2A6F-F04D-97DA-BEF2467B64E4}" type="datetimeFigureOut">
               <a:rPr lang="en-US" dirty="0"/>
               <a:pPr/>
-              <a:t>6/23/19</a:t>
+              <a:t>6/24/2019</a:t>
             </a:fld>
             <a:endParaRPr lang="en-US" dirty="0"/>
           </a:p>
@@ -11486,7 +11559,7 @@
             <a:fld id="{09B482E8-6E0E-1B4F-B1FD-C69DB9E858D9}" type="datetimeFigureOut">
               <a:rPr lang="en-US" dirty="0"/>
               <a:pPr/>
-              <a:t>6/23/19</a:t>
+              <a:t>6/24/2019</a:t>
             </a:fld>
             <a:endParaRPr lang="en-US" dirty="0"/>
           </a:p>
